--- a/Interfacing the IR sensor with Arduino/interfacing of IR sensors with Arduino.pptx
+++ b/Interfacing the IR sensor with Arduino/interfacing of IR sensors with Arduino.pptx
@@ -10776,7 +10776,7 @@
             </a:pPr>
             <a:r>
               <a:rPr lang="en-US" sz="2000" dirty="0"/>
-              <a:t>First part, IR LED or IR blaster to emit the infrared light towards </a:t>
+              <a:t>First part, IR LED or IR blaster to emit the infrared light towards The object.</a:t>
             </a:r>
           </a:p>
           <a:p>
@@ -10795,26 +10795,7 @@
             </a:pPr>
             <a:r>
               <a:rPr lang="en-US" sz="2000" dirty="0"/>
-              <a:t>The object. Second part, it’s a light detector used to detect the </a:t>
-            </a:r>
-          </a:p>
-          <a:p>
-            <a:pPr marL="285750" indent="-285750">
-              <a:lnSpc>
-                <a:spcPct val="90000"/>
-              </a:lnSpc>
-              <a:spcAft>
-                <a:spcPts val="600"/>
-              </a:spcAft>
-              <a:buClr>
-                <a:srgbClr val="FCB13E"/>
-              </a:buClr>
-              <a:buFont typeface="Arial" panose="020B0604020202020204" pitchFamily="34" charset="0"/>
-              <a:buChar char="•"/>
-            </a:pPr>
-            <a:r>
-              <a:rPr lang="en-US" sz="2000" dirty="0"/>
-              <a:t>Reflected light from the obstacle.</a:t>
+              <a:t>Second part, it’s a light detector used to detect the Reflected light from the obstacle.</a:t>
             </a:r>
           </a:p>
           <a:p>
@@ -11683,21 +11664,13 @@
           <a:p>
             <a:r>
               <a:rPr lang="en-US" dirty="0"/>
-              <a:t>Initializing variables for keeping time track, time </a:t>
-            </a:r>
-            <a:r>
-              <a:rPr lang="en-US" dirty="0" err="1"/>
-              <a:t>defference</a:t>
-            </a:r>
+              <a:t>Initializing variables for keeping time track, time difference, speed.</a:t>
+            </a:r>
+          </a:p>
+          <a:p>
             <a:r>
               <a:rPr lang="en-US" dirty="0"/>
-              <a:t>, speed.</a:t>
-            </a:r>
-          </a:p>
-          <a:p>
-            <a:r>
-              <a:rPr lang="en-US" dirty="0"/>
-              <a:t>Setting the maximum speed limit is to 60Km/Hr.</a:t>
+              <a:t>Setting the maximum speed limit is 60Km/Hr.</a:t>
             </a:r>
           </a:p>
         </p:txBody>
